--- a/docs/Presentation.pptx
+++ b/docs/Presentation.pptx
@@ -4941,42 +4941,7 @@
                   <a:schemeClr val="dk1"/>
                 </a:solidFill>
               </a:rPr>
-              <a:t>Софтуерни системи, базирани на </a:t>
-            </a:r>
-            <a:r>
-              <a:rPr lang="ru-RU" sz="1800" i="1" dirty="0" smtClean="0">
-                <a:solidFill>
-                  <a:schemeClr val="dk1"/>
-                </a:solidFill>
-              </a:rPr>
-              <a:t>услуги </a:t>
-            </a:r>
-            <a:r>
-              <a:rPr lang="en" sz="1800" i="1" dirty="0" smtClean="0">
-                <a:solidFill>
-                  <a:schemeClr val="dk1"/>
-                </a:solidFill>
-              </a:rPr>
-              <a:t>ФМИ 2016</a:t>
-            </a:r>
-          </a:p>
-          <a:p>
-            <a:pPr lvl="0" indent="457200" algn="r" rtl="0">
-              <a:lnSpc>
-                <a:spcPct val="138000"/>
-              </a:lnSpc>
-              <a:spcBef>
-                <a:spcPts val="0"/>
-              </a:spcBef>
-              <a:buNone/>
-            </a:pPr>
-            <a:r>
-              <a:rPr lang="en" sz="1800" i="1" dirty="0" smtClean="0">
-                <a:solidFill>
-                  <a:schemeClr val="dk1"/>
-                </a:solidFill>
-              </a:rPr>
-              <a:t>Валентин </a:t>
+              <a:t>Софтуерни системи, базирани на услуги </a:t>
             </a:r>
             <a:r>
               <a:rPr lang="en" sz="1800" i="1" dirty="0">
@@ -4984,7 +4949,26 @@
                   <a:schemeClr val="dk1"/>
                 </a:solidFill>
               </a:rPr>
-              <a:t>Змийчаров - 24952</a:t>
+              <a:t>ФМИ 2016</a:t>
+            </a:r>
+          </a:p>
+          <a:p>
+            <a:pPr lvl="0" indent="457200" algn="r" rtl="0">
+              <a:lnSpc>
+                <a:spcPct val="138000"/>
+              </a:lnSpc>
+              <a:spcBef>
+                <a:spcPts val="0"/>
+              </a:spcBef>
+              <a:buNone/>
+            </a:pPr>
+            <a:r>
+              <a:rPr lang="en" sz="1800" i="1" dirty="0">
+                <a:solidFill>
+                  <a:schemeClr val="dk1"/>
+                </a:solidFill>
+              </a:rPr>
+              <a:t>Валентин Змийчаров - 24952</a:t>
             </a:r>
           </a:p>
           <a:p>
@@ -5002,18 +4986,13 @@
               <a:t>Владислав Беличев</a:t>
             </a:r>
             <a:r>
-              <a:rPr lang="en" sz="1800" i="1" dirty="0" smtClean="0">
+              <a:rPr lang="en" sz="1800" i="1" dirty="0">
                 <a:solidFill>
                   <a:schemeClr val="dk1"/>
                 </a:solidFill>
               </a:rPr>
               <a:t>- 24976</a:t>
             </a:r>
-            <a:endParaRPr lang="en" sz="1800" i="1" dirty="0">
-              <a:solidFill>
-                <a:schemeClr val="dk1"/>
-              </a:solidFill>
-            </a:endParaRPr>
           </a:p>
         </p:txBody>
       </p:sp>
@@ -5025,13 +5004,6 @@
   <p:transition spd="slow">
     <p:cut/>
   </p:transition>
-  <p:timing>
-    <p:tnLst>
-      <p:par>
-        <p:cTn id="1" dur="indefinite" restart="never" nodeType="tmRoot"/>
-      </p:par>
-    </p:tnLst>
-  </p:timing>
 </p:sld>
 </file>
 
@@ -5391,20 +5363,12 @@
           <a:p>
             <a:pPr algn="ctr"/>
             <a:r>
-              <a:rPr lang="bg-BG" sz="2400" b="1" dirty="0" smtClean="0">
-                <a:solidFill>
-                  <a:srgbClr val="000000"/>
-                </a:solidFill>
-              </a:rPr>
-              <a:t>Въпроси</a:t>
-            </a:r>
-            <a:r>
               <a:rPr lang="bg-BG" sz="2400" b="1" dirty="0">
                 <a:solidFill>
                   <a:srgbClr val="000000"/>
                 </a:solidFill>
               </a:rPr>
-              <a:t>?</a:t>
+              <a:t>Въпроси?</a:t>
             </a:r>
             <a:endParaRPr lang="en" sz="2400" b="1" dirty="0">
               <a:solidFill>
@@ -5422,13 +5386,6 @@
   <p:transition spd="slow">
     <p:cut/>
   </p:transition>
-  <p:timing>
-    <p:tnLst>
-      <p:par>
-        <p:cTn id="1" dur="indefinite" restart="never" nodeType="tmRoot"/>
-      </p:par>
-    </p:tnLst>
-  </p:timing>
 </p:sld>
 </file>
 
@@ -5486,7 +5443,7 @@
               <a:buNone/>
             </a:pPr>
             <a:r>
-              <a:rPr lang="bg-BG" sz="3200" dirty="0" smtClean="0"/>
+              <a:rPr lang="bg-BG" sz="3200" dirty="0"/>
               <a:t>Идеята</a:t>
             </a:r>
             <a:endParaRPr lang="en" sz="3200" dirty="0"/>
@@ -5529,7 +5486,7 @@
               <a:buChar char="•"/>
             </a:pPr>
             <a:r>
-              <a:rPr lang="bg-BG" sz="2400" dirty="0" smtClean="0"/>
+              <a:rPr lang="bg-BG" sz="2400" dirty="0"/>
               <a:t>Търсене на хотели</a:t>
             </a:r>
             <a:endParaRPr lang="en" sz="2400" dirty="0"/>
@@ -5546,7 +5503,7 @@
               <a:buChar char="•"/>
             </a:pPr>
             <a:r>
-              <a:rPr lang="bg-BG" sz="2400" dirty="0" smtClean="0"/>
+              <a:rPr lang="bg-BG" sz="2400" dirty="0"/>
               <a:t>Преглед на детайли за хотел</a:t>
             </a:r>
           </a:p>
@@ -5562,7 +5519,7 @@
               <a:buChar char="•"/>
             </a:pPr>
             <a:r>
-              <a:rPr lang="bg-BG" sz="2400" dirty="0" smtClean="0"/>
+              <a:rPr lang="bg-BG" sz="2400" dirty="0"/>
               <a:t>Превод на информацията за хотел</a:t>
             </a:r>
           </a:p>
@@ -5578,7 +5535,7 @@
               <a:buChar char="•"/>
             </a:pPr>
             <a:r>
-              <a:rPr lang="bg-BG" sz="2400" dirty="0" smtClean="0"/>
+              <a:rPr lang="bg-BG" sz="2400" dirty="0"/>
               <a:t>Извършване на резервация</a:t>
             </a:r>
           </a:p>
@@ -5594,7 +5551,7 @@
               <a:buChar char="•"/>
             </a:pPr>
             <a:r>
-              <a:rPr lang="bg-BG" sz="2400" dirty="0" smtClean="0"/>
+              <a:rPr lang="bg-BG" sz="2400" dirty="0"/>
               <a:t>Преглед на извършени резервации</a:t>
             </a:r>
             <a:endParaRPr lang="en" sz="2400" dirty="0"/>
@@ -5609,13 +5566,6 @@
   <p:transition spd="slow">
     <p:cut/>
   </p:transition>
-  <p:timing>
-    <p:tnLst>
-      <p:par>
-        <p:cTn id="1" dur="indefinite" restart="never" nodeType="tmRoot"/>
-      </p:par>
-    </p:tnLst>
-  </p:timing>
 </p:sld>
 </file>
 
@@ -5673,7 +5623,7 @@
               <a:buNone/>
             </a:pPr>
             <a:r>
-              <a:rPr lang="bg-BG" sz="3200" dirty="0" smtClean="0"/>
+              <a:rPr lang="bg-BG" sz="3200" dirty="0"/>
               <a:t>Реализация (Уеб приложение)</a:t>
             </a:r>
             <a:endParaRPr lang="en" sz="3200" dirty="0"/>
@@ -5716,7 +5666,7 @@
               <a:buChar char="•"/>
             </a:pPr>
             <a:r>
-              <a:rPr lang="en-US" sz="2400" dirty="0" smtClean="0"/>
+              <a:rPr lang="en-US" sz="2400" dirty="0"/>
               <a:t>ASP.NET 5 MVC 6</a:t>
             </a:r>
             <a:endParaRPr lang="en" sz="2400" dirty="0"/>
@@ -5733,7 +5683,7 @@
               <a:buChar char="•"/>
             </a:pPr>
             <a:r>
-              <a:rPr lang="en-US" sz="2400" dirty="0" smtClean="0"/>
+              <a:rPr lang="en-US" sz="2400" dirty="0"/>
               <a:t>Home Controller:</a:t>
             </a:r>
           </a:p>
@@ -5748,11 +5698,7 @@
             </a:pPr>
             <a:r>
               <a:rPr lang="en-US" sz="2400" dirty="0"/>
-              <a:t>	</a:t>
-            </a:r>
-            <a:r>
-              <a:rPr lang="en-US" sz="2400" dirty="0" smtClean="0"/>
-              <a:t>- Index</a:t>
+              <a:t>	- Index</a:t>
             </a:r>
           </a:p>
           <a:p>
@@ -5766,11 +5712,7 @@
             </a:pPr>
             <a:r>
               <a:rPr lang="en-US" sz="2400" dirty="0"/>
-              <a:t>	</a:t>
-            </a:r>
-            <a:r>
-              <a:rPr lang="en-US" sz="2400" dirty="0" smtClean="0"/>
-              <a:t>- Details</a:t>
+              <a:t>	- Details</a:t>
             </a:r>
           </a:p>
           <a:p>
@@ -5784,14 +5726,10 @@
             </a:pPr>
             <a:r>
               <a:rPr lang="en-US" sz="2400" dirty="0"/>
-              <a:t>	</a:t>
+              <a:t>	- </a:t>
             </a:r>
             <a:r>
-              <a:rPr lang="en-US" sz="2400" dirty="0" smtClean="0"/>
-              <a:t>- </a:t>
-            </a:r>
-            <a:r>
-              <a:rPr lang="en-US" sz="2400" dirty="0" err="1" smtClean="0"/>
+              <a:rPr lang="en-US" sz="2400" dirty="0" err="1"/>
               <a:t>HotelsReservations</a:t>
             </a:r>
             <a:endParaRPr lang="en" sz="2400" dirty="0"/>
@@ -5811,13 +5749,6 @@
   <p:transition spd="slow">
     <p:cut/>
   </p:transition>
-  <p:timing>
-    <p:tnLst>
-      <p:par>
-        <p:cTn id="1" dur="indefinite" restart="never" nodeType="tmRoot"/>
-      </p:par>
-    </p:tnLst>
-  </p:timing>
 </p:sld>
 </file>
 
@@ -5875,15 +5806,15 @@
               <a:buNone/>
             </a:pPr>
             <a:r>
-              <a:rPr lang="bg-BG" sz="3200" dirty="0" smtClean="0"/>
+              <a:rPr lang="bg-BG" sz="3200" dirty="0"/>
               <a:t>Реализация (</a:t>
             </a:r>
             <a:r>
-              <a:rPr lang="en-US" sz="3200" dirty="0" smtClean="0"/>
+              <a:rPr lang="en-US" sz="3200" dirty="0"/>
               <a:t>Java SOAP </a:t>
             </a:r>
             <a:r>
-              <a:rPr lang="bg-BG" sz="3200" dirty="0" smtClean="0"/>
+              <a:rPr lang="bg-BG" sz="3200" dirty="0"/>
               <a:t>услуги)</a:t>
             </a:r>
             <a:endParaRPr lang="en" sz="3200" dirty="0"/>
@@ -5926,7 +5857,7 @@
               <a:buChar char="•"/>
             </a:pPr>
             <a:r>
-              <a:rPr lang="bg-BG" sz="2400" dirty="0" smtClean="0"/>
+              <a:rPr lang="bg-BG" sz="2400" dirty="0"/>
               <a:t>Градове</a:t>
             </a:r>
             <a:endParaRPr lang="en" sz="2400" dirty="0"/>
@@ -5943,7 +5874,7 @@
               <a:buChar char="•"/>
             </a:pPr>
             <a:r>
-              <a:rPr lang="bg-BG" sz="2400" dirty="0" smtClean="0"/>
+              <a:rPr lang="bg-BG" sz="2400" dirty="0"/>
               <a:t>Хотели</a:t>
             </a:r>
           </a:p>
@@ -5959,7 +5890,7 @@
               <a:buChar char="•"/>
             </a:pPr>
             <a:r>
-              <a:rPr lang="bg-BG" sz="2400" dirty="0" smtClean="0"/>
+              <a:rPr lang="bg-BG" sz="2400" dirty="0"/>
               <a:t>Технологии:</a:t>
             </a:r>
           </a:p>
@@ -5970,20 +5901,16 @@
               </a:spcAft>
             </a:pPr>
             <a:r>
-              <a:rPr lang="bg-BG" sz="2000" dirty="0" smtClean="0"/>
+              <a:rPr lang="bg-BG" sz="2000" dirty="0"/>
               <a:t>	</a:t>
             </a:r>
             <a:r>
-              <a:rPr lang="bg-BG" sz="2400" dirty="0" smtClean="0"/>
+              <a:rPr lang="bg-BG" sz="2400" dirty="0"/>
               <a:t>- </a:t>
             </a:r>
             <a:r>
-              <a:rPr lang="en" sz="2400" dirty="0" smtClean="0"/>
-              <a:t>Java </a:t>
-            </a:r>
-            <a:r>
               <a:rPr lang="en" sz="2400" dirty="0"/>
-              <a:t>8</a:t>
+              <a:t>Java 8</a:t>
             </a:r>
           </a:p>
           <a:p>
@@ -6028,7 +5955,7 @@
                 <a:spcPts val="0"/>
               </a:spcAft>
             </a:pPr>
-            <a:endParaRPr lang="bg-BG" sz="2400" dirty="0" smtClean="0"/>
+            <a:endParaRPr lang="bg-BG" sz="2400" dirty="0"/>
           </a:p>
           <a:p>
             <a:pPr marL="514350" lvl="0" indent="-285750" rtl="0">
@@ -6058,13 +5985,6 @@
   <p:transition spd="slow">
     <p:cut/>
   </p:transition>
-  <p:timing>
-    <p:tnLst>
-      <p:par>
-        <p:cTn id="1" dur="indefinite" restart="never" nodeType="tmRoot"/>
-      </p:par>
-    </p:tnLst>
-  </p:timing>
 </p:sld>
 </file>
 
@@ -6122,19 +6042,19 @@
               <a:buNone/>
             </a:pPr>
             <a:r>
-              <a:rPr lang="bg-BG" sz="3200" dirty="0" smtClean="0"/>
+              <a:rPr lang="bg-BG" sz="3200" dirty="0"/>
               <a:t>Реализация (</a:t>
             </a:r>
             <a:r>
-              <a:rPr lang="en-US" sz="3200" dirty="0" err="1" smtClean="0"/>
+              <a:rPr lang="en-US" sz="3200" dirty="0" err="1"/>
               <a:t>Yandex</a:t>
             </a:r>
             <a:r>
-              <a:rPr lang="en-US" sz="3200" dirty="0" smtClean="0"/>
+              <a:rPr lang="en-US" sz="3200" dirty="0"/>
               <a:t> Translate API</a:t>
             </a:r>
             <a:r>
-              <a:rPr lang="bg-BG" sz="3200" dirty="0" smtClean="0"/>
+              <a:rPr lang="bg-BG" sz="3200" dirty="0"/>
               <a:t>)</a:t>
             </a:r>
             <a:endParaRPr lang="en" sz="3200" dirty="0"/>
@@ -6177,7 +6097,7 @@
               <a:buChar char="•"/>
             </a:pPr>
             <a:r>
-              <a:rPr lang="bg-BG" sz="2400" dirty="0" smtClean="0"/>
+              <a:rPr lang="bg-BG" sz="2400" dirty="0"/>
               <a:t>Превод на информация за хотел</a:t>
             </a:r>
             <a:endParaRPr lang="en" sz="2400" dirty="0"/>
@@ -6194,7 +6114,7 @@
               <a:buChar char="•"/>
             </a:pPr>
             <a:r>
-              <a:rPr lang="bg-BG" sz="2400" dirty="0" smtClean="0"/>
+              <a:rPr lang="bg-BG" sz="2400" dirty="0"/>
               <a:t>Български и руски</a:t>
             </a:r>
           </a:p>
@@ -6226,13 +6146,6 @@
   <p:transition spd="slow">
     <p:cut/>
   </p:transition>
-  <p:timing>
-    <p:tnLst>
-      <p:par>
-        <p:cTn id="1" dur="indefinite" restart="never" nodeType="tmRoot"/>
-      </p:par>
-    </p:tnLst>
-  </p:timing>
 </p:sld>
 </file>
 
@@ -6290,15 +6203,15 @@
               <a:buNone/>
             </a:pPr>
             <a:r>
-              <a:rPr lang="bg-BG" sz="3200" dirty="0" smtClean="0"/>
+              <a:rPr lang="bg-BG" sz="3200" dirty="0"/>
               <a:t>Реализация (</a:t>
             </a:r>
             <a:r>
-              <a:rPr lang="en-US" sz="3200" dirty="0" smtClean="0"/>
+              <a:rPr lang="en-US" sz="3200" dirty="0"/>
               <a:t>.NET REST </a:t>
             </a:r>
             <a:r>
-              <a:rPr lang="bg-BG" sz="3200" dirty="0" smtClean="0"/>
+              <a:rPr lang="bg-BG" sz="3200" dirty="0"/>
               <a:t>услуги)</a:t>
             </a:r>
             <a:endParaRPr lang="en" sz="3200" dirty="0"/>
@@ -6371,12 +6284,8 @@
               <a:buChar char="•"/>
             </a:pPr>
             <a:r>
-              <a:rPr lang="en-US" sz="2400" dirty="0" smtClean="0"/>
-              <a:t>POST </a:t>
-            </a:r>
-            <a:r>
               <a:rPr lang="en-US" sz="2400" dirty="0"/>
-              <a:t>(“</a:t>
+              <a:t>POST (“</a:t>
             </a:r>
             <a:r>
               <a:rPr lang="en-US" sz="2400" dirty="0" err="1"/>
@@ -6423,13 +6332,6 @@
   <p:transition spd="slow">
     <p:cut/>
   </p:transition>
-  <p:timing>
-    <p:tnLst>
-      <p:par>
-        <p:cTn id="1" dur="indefinite" restart="never" nodeType="tmRoot"/>
-      </p:par>
-    </p:tnLst>
-  </p:timing>
 </p:sld>
 </file>
 
@@ -6487,7 +6389,7 @@
               <a:buNone/>
             </a:pPr>
             <a:r>
-              <a:rPr lang="bg-BG" sz="3200" dirty="0" smtClean="0"/>
+              <a:rPr lang="bg-BG" sz="3200" dirty="0"/>
               <a:t>Обобщение</a:t>
             </a:r>
             <a:endParaRPr lang="en" sz="3200" dirty="0"/>
@@ -6531,13 +6433,6 @@
   <p:transition spd="slow">
     <p:cut/>
   </p:transition>
-  <p:timing>
-    <p:tnLst>
-      <p:par>
-        <p:cTn id="1" dur="indefinite" restart="never" nodeType="tmRoot"/>
-      </p:par>
-    </p:tnLst>
-  </p:timing>
 </p:sld>
 </file>
 
@@ -6595,7 +6490,7 @@
               <a:buNone/>
             </a:pPr>
             <a:r>
-              <a:rPr lang="en-US" sz="3200" dirty="0" smtClean="0"/>
+              <a:rPr lang="en-US" sz="3200" dirty="0"/>
               <a:t>BPEL</a:t>
             </a:r>
             <a:endParaRPr lang="en" sz="3200" dirty="0"/>
@@ -6635,27 +6530,37 @@
               <a:buChar char="•"/>
             </a:pPr>
             <a:r>
-              <a:rPr lang="en-US" sz="2400" dirty="0" smtClean="0"/>
-              <a:t>?????</a:t>
+              <a:rPr lang="en-US" sz="2400" dirty="0"/>
+              <a:t>Eclipse BPEL Designer Project</a:t>
             </a:r>
             <a:endParaRPr lang="bg-BG" sz="2400" dirty="0"/>
           </a:p>
-          <a:p>
-            <a:pPr marL="514350" lvl="0" indent="-285750">
-              <a:spcAft>
-                <a:spcPts val="0"/>
-              </a:spcAft>
-              <a:buFont typeface="Arial" panose="020B0604020202020204" pitchFamily="34" charset="0"/>
-              <a:buChar char="•"/>
-            </a:pPr>
-            <a:r>
-              <a:rPr lang="en-US" sz="2400" dirty="0" smtClean="0"/>
-              <a:t>?????</a:t>
-            </a:r>
-            <a:endParaRPr lang="en" sz="2400" dirty="0"/>
-          </a:p>
         </p:txBody>
       </p:sp>
+      <p:pic>
+        <p:nvPicPr>
+          <p:cNvPr id="2" name="Picture 1"/>
+          <p:cNvPicPr>
+            <a:picLocks noChangeAspect="1"/>
+          </p:cNvPicPr>
+          <p:nvPr/>
+        </p:nvPicPr>
+        <p:blipFill>
+          <a:blip r:embed="rId3"/>
+          <a:stretch>
+            <a:fillRect/>
+          </a:stretch>
+        </p:blipFill>
+        <p:spPr>
+          <a:xfrm>
+            <a:off x="1543049" y="1902553"/>
+            <a:ext cx="6057900" cy="2771775"/>
+          </a:xfrm>
+          <a:prstGeom prst="rect">
+            <a:avLst/>
+          </a:prstGeom>
+        </p:spPr>
+      </p:pic>
     </p:spTree>
     <p:extLst>
       <p:ext uri="{BB962C8B-B14F-4D97-AF65-F5344CB8AC3E}">
@@ -6669,13 +6574,6 @@
   <p:transition spd="slow">
     <p:cut/>
   </p:transition>
-  <p:timing>
-    <p:tnLst>
-      <p:par>
-        <p:cTn id="1" dur="indefinite" restart="never" nodeType="tmRoot"/>
-      </p:par>
-    </p:tnLst>
-  </p:timing>
 </p:sld>
 </file>
 
@@ -6733,7 +6631,7 @@
               <a:buNone/>
             </a:pPr>
             <a:r>
-              <a:rPr lang="bg-BG" sz="4800" dirty="0" smtClean="0"/>
+              <a:rPr lang="bg-BG" sz="4800" dirty="0"/>
               <a:t>Демонстрация</a:t>
             </a:r>
             <a:endParaRPr lang="en" sz="4800" dirty="0"/>
@@ -6753,13 +6651,6 @@
   <p:transition spd="slow">
     <p:cut/>
   </p:transition>
-  <p:timing>
-    <p:tnLst>
-      <p:par>
-        <p:cTn id="1" dur="indefinite" restart="never" nodeType="tmRoot"/>
-      </p:par>
-    </p:tnLst>
-  </p:timing>
 </p:sld>
 </file>
 
